--- a/plots/analysis_costanzo/figure1.pptx
+++ b/plots/analysis_costanzo/figure1.pptx
@@ -115,7 +115,7 @@
 <file path=ppt/revisionInfo.xml><?xml version="1.0" encoding="utf-8"?>
 <p1510:revInfo xmlns:a="http://schemas.openxmlformats.org/drawingml/2006/main" xmlns:r="http://schemas.openxmlformats.org/officeDocument/2006/relationships" xmlns:p1510="http://schemas.microsoft.com/office/powerpoint/2015/10/main">
   <p1510:revLst>
-    <p1510:client id="{D7866A26-5749-F046-B0C5-C918846F6619}" v="1" dt="2023-08-04T09:19:28.234"/>
+    <p1510:client id="{D7866A26-5749-F046-B0C5-C918846F6619}" v="7" dt="2023-08-15T14:44:46.210"/>
   </p1510:revLst>
 </p1510:revInfo>
 </file>
@@ -124,17 +124,65 @@
 <pc:chgInfo xmlns:a="http://schemas.openxmlformats.org/drawingml/2006/main" xmlns:r="http://schemas.openxmlformats.org/officeDocument/2006/relationships" xmlns:ac="http://schemas.microsoft.com/office/drawing/2013/main/command" xmlns:pc="http://schemas.microsoft.com/office/powerpoint/2013/main/command">
   <pc:docChgLst>
     <pc:chgData name="Cecilia Trivellin" userId="77962b75-de7c-4c40-bb6b-4b915835e2f5" providerId="ADAL" clId="{D7866A26-5749-F046-B0C5-C918846F6619}"/>
-    <pc:docChg chg="modSld">
-      <pc:chgData name="Cecilia Trivellin" userId="77962b75-de7c-4c40-bb6b-4b915835e2f5" providerId="ADAL" clId="{D7866A26-5749-F046-B0C5-C918846F6619}" dt="2023-08-04T09:20:22.055" v="12" actId="1076"/>
+    <pc:docChg chg="custSel modSld">
+      <pc:chgData name="Cecilia Trivellin" userId="77962b75-de7c-4c40-bb6b-4b915835e2f5" providerId="ADAL" clId="{D7866A26-5749-F046-B0C5-C918846F6619}" dt="2023-08-15T14:44:59.301" v="80" actId="20577"/>
       <pc:docMkLst>
         <pc:docMk/>
       </pc:docMkLst>
-      <pc:sldChg chg="modSp mod">
-        <pc:chgData name="Cecilia Trivellin" userId="77962b75-de7c-4c40-bb6b-4b915835e2f5" providerId="ADAL" clId="{D7866A26-5749-F046-B0C5-C918846F6619}" dt="2023-08-04T09:20:22.055" v="12" actId="1076"/>
+      <pc:sldChg chg="addSp delSp modSp mod">
+        <pc:chgData name="Cecilia Trivellin" userId="77962b75-de7c-4c40-bb6b-4b915835e2f5" providerId="ADAL" clId="{D7866A26-5749-F046-B0C5-C918846F6619}" dt="2023-08-15T14:44:59.301" v="80" actId="20577"/>
         <pc:sldMkLst>
           <pc:docMk/>
           <pc:sldMk cId="1134788032" sldId="256"/>
         </pc:sldMkLst>
+        <pc:spChg chg="add mod">
+          <ac:chgData name="Cecilia Trivellin" userId="77962b75-de7c-4c40-bb6b-4b915835e2f5" providerId="ADAL" clId="{D7866A26-5749-F046-B0C5-C918846F6619}" dt="2023-08-15T14:43:26.149" v="37" actId="1076"/>
+          <ac:spMkLst>
+            <pc:docMk/>
+            <pc:sldMk cId="1134788032" sldId="256"/>
+            <ac:spMk id="2" creationId="{D84A246F-7297-DC7A-D9E1-64F22C5854B0}"/>
+          </ac:spMkLst>
+        </pc:spChg>
+        <pc:spChg chg="add mod">
+          <ac:chgData name="Cecilia Trivellin" userId="77962b75-de7c-4c40-bb6b-4b915835e2f5" providerId="ADAL" clId="{D7866A26-5749-F046-B0C5-C918846F6619}" dt="2023-08-15T14:43:33.352" v="49" actId="20577"/>
+          <ac:spMkLst>
+            <pc:docMk/>
+            <pc:sldMk cId="1134788032" sldId="256"/>
+            <ac:spMk id="3" creationId="{EA55300D-AD21-D910-E5D5-A0C4F73C5B6E}"/>
+          </ac:spMkLst>
+        </pc:spChg>
+        <pc:spChg chg="add mod">
+          <ac:chgData name="Cecilia Trivellin" userId="77962b75-de7c-4c40-bb6b-4b915835e2f5" providerId="ADAL" clId="{D7866A26-5749-F046-B0C5-C918846F6619}" dt="2023-08-15T14:44:59.301" v="80" actId="20577"/>
+          <ac:spMkLst>
+            <pc:docMk/>
+            <pc:sldMk cId="1134788032" sldId="256"/>
+            <ac:spMk id="4" creationId="{FCC0AA3E-0D02-A330-94A8-129019D6FB06}"/>
+          </ac:spMkLst>
+        </pc:spChg>
+        <pc:spChg chg="add del mod">
+          <ac:chgData name="Cecilia Trivellin" userId="77962b75-de7c-4c40-bb6b-4b915835e2f5" providerId="ADAL" clId="{D7866A26-5749-F046-B0C5-C918846F6619}" dt="2023-08-15T14:43:55.165" v="54" actId="478"/>
+          <ac:spMkLst>
+            <pc:docMk/>
+            <pc:sldMk cId="1134788032" sldId="256"/>
+            <ac:spMk id="6" creationId="{9191AA02-7C85-B814-6F17-ABB8015BD6AC}"/>
+          </ac:spMkLst>
+        </pc:spChg>
+        <pc:spChg chg="add mod">
+          <ac:chgData name="Cecilia Trivellin" userId="77962b75-de7c-4c40-bb6b-4b915835e2f5" providerId="ADAL" clId="{D7866A26-5749-F046-B0C5-C918846F6619}" dt="2023-08-15T14:44:06.299" v="58" actId="207"/>
+          <ac:spMkLst>
+            <pc:docMk/>
+            <pc:sldMk cId="1134788032" sldId="256"/>
+            <ac:spMk id="13" creationId="{A6276EBC-EFE8-E825-4F8B-3AF695D97569}"/>
+          </ac:spMkLst>
+        </pc:spChg>
+        <pc:spChg chg="add mod">
+          <ac:chgData name="Cecilia Trivellin" userId="77962b75-de7c-4c40-bb6b-4b915835e2f5" providerId="ADAL" clId="{D7866A26-5749-F046-B0C5-C918846F6619}" dt="2023-08-15T14:44:57.164" v="77" actId="20577"/>
+          <ac:spMkLst>
+            <pc:docMk/>
+            <pc:sldMk cId="1134788032" sldId="256"/>
+            <ac:spMk id="14" creationId="{73AB7FDE-C15A-0FFA-7D8D-3665A4BC65CF}"/>
+          </ac:spMkLst>
+        </pc:spChg>
         <pc:picChg chg="mod modCrop">
           <ac:chgData name="Cecilia Trivellin" userId="77962b75-de7c-4c40-bb6b-4b915835e2f5" providerId="ADAL" clId="{D7866A26-5749-F046-B0C5-C918846F6619}" dt="2023-08-04T09:20:03.015" v="4" actId="732"/>
           <ac:picMkLst>
@@ -144,7 +192,7 @@
           </ac:picMkLst>
         </pc:picChg>
         <pc:picChg chg="mod modCrop">
-          <ac:chgData name="Cecilia Trivellin" userId="77962b75-de7c-4c40-bb6b-4b915835e2f5" providerId="ADAL" clId="{D7866A26-5749-F046-B0C5-C918846F6619}" dt="2023-08-04T09:20:22.055" v="12" actId="1076"/>
+          <ac:chgData name="Cecilia Trivellin" userId="77962b75-de7c-4c40-bb6b-4b915835e2f5" providerId="ADAL" clId="{D7866A26-5749-F046-B0C5-C918846F6619}" dt="2023-08-15T14:42:46.620" v="16" actId="732"/>
           <ac:picMkLst>
             <pc:docMk/>
             <pc:sldMk cId="1134788032" sldId="256"/>
@@ -304,7 +352,7 @@
           <a:p>
             <a:fld id="{FD51DF91-9853-214E-80B3-6CE64E08FC64}" type="datetimeFigureOut">
               <a:rPr lang="en-US" smtClean="0"/>
-              <a:t>8/4/23</a:t>
+              <a:t>8/15/23</a:t>
             </a:fld>
             <a:endParaRPr lang="en-US"/>
           </a:p>
@@ -502,7 +550,7 @@
           <a:p>
             <a:fld id="{FD51DF91-9853-214E-80B3-6CE64E08FC64}" type="datetimeFigureOut">
               <a:rPr lang="en-US" smtClean="0"/>
-              <a:t>8/4/23</a:t>
+              <a:t>8/15/23</a:t>
             </a:fld>
             <a:endParaRPr lang="en-US"/>
           </a:p>
@@ -710,7 +758,7 @@
           <a:p>
             <a:fld id="{FD51DF91-9853-214E-80B3-6CE64E08FC64}" type="datetimeFigureOut">
               <a:rPr lang="en-US" smtClean="0"/>
-              <a:t>8/4/23</a:t>
+              <a:t>8/15/23</a:t>
             </a:fld>
             <a:endParaRPr lang="en-US"/>
           </a:p>
@@ -908,7 +956,7 @@
           <a:p>
             <a:fld id="{FD51DF91-9853-214E-80B3-6CE64E08FC64}" type="datetimeFigureOut">
               <a:rPr lang="en-US" smtClean="0"/>
-              <a:t>8/4/23</a:t>
+              <a:t>8/15/23</a:t>
             </a:fld>
             <a:endParaRPr lang="en-US"/>
           </a:p>
@@ -1183,7 +1231,7 @@
           <a:p>
             <a:fld id="{FD51DF91-9853-214E-80B3-6CE64E08FC64}" type="datetimeFigureOut">
               <a:rPr lang="en-US" smtClean="0"/>
-              <a:t>8/4/23</a:t>
+              <a:t>8/15/23</a:t>
             </a:fld>
             <a:endParaRPr lang="en-US"/>
           </a:p>
@@ -1448,7 +1496,7 @@
           <a:p>
             <a:fld id="{FD51DF91-9853-214E-80B3-6CE64E08FC64}" type="datetimeFigureOut">
               <a:rPr lang="en-US" smtClean="0"/>
-              <a:t>8/4/23</a:t>
+              <a:t>8/15/23</a:t>
             </a:fld>
             <a:endParaRPr lang="en-US"/>
           </a:p>
@@ -1860,7 +1908,7 @@
           <a:p>
             <a:fld id="{FD51DF91-9853-214E-80B3-6CE64E08FC64}" type="datetimeFigureOut">
               <a:rPr lang="en-US" smtClean="0"/>
-              <a:t>8/4/23</a:t>
+              <a:t>8/15/23</a:t>
             </a:fld>
             <a:endParaRPr lang="en-US"/>
           </a:p>
@@ -2001,7 +2049,7 @@
           <a:p>
             <a:fld id="{FD51DF91-9853-214E-80B3-6CE64E08FC64}" type="datetimeFigureOut">
               <a:rPr lang="en-US" smtClean="0"/>
-              <a:t>8/4/23</a:t>
+              <a:t>8/15/23</a:t>
             </a:fld>
             <a:endParaRPr lang="en-US"/>
           </a:p>
@@ -2114,7 +2162,7 @@
           <a:p>
             <a:fld id="{FD51DF91-9853-214E-80B3-6CE64E08FC64}" type="datetimeFigureOut">
               <a:rPr lang="en-US" smtClean="0"/>
-              <a:t>8/4/23</a:t>
+              <a:t>8/15/23</a:t>
             </a:fld>
             <a:endParaRPr lang="en-US"/>
           </a:p>
@@ -2425,7 +2473,7 @@
           <a:p>
             <a:fld id="{FD51DF91-9853-214E-80B3-6CE64E08FC64}" type="datetimeFigureOut">
               <a:rPr lang="en-US" smtClean="0"/>
-              <a:t>8/4/23</a:t>
+              <a:t>8/15/23</a:t>
             </a:fld>
             <a:endParaRPr lang="en-US"/>
           </a:p>
@@ -2713,7 +2761,7 @@
           <a:p>
             <a:fld id="{FD51DF91-9853-214E-80B3-6CE64E08FC64}" type="datetimeFigureOut">
               <a:rPr lang="en-US" smtClean="0"/>
-              <a:t>8/4/23</a:t>
+              <a:t>8/15/23</a:t>
             </a:fld>
             <a:endParaRPr lang="en-US"/>
           </a:p>
@@ -2954,7 +3002,7 @@
           <a:p>
             <a:fld id="{FD51DF91-9853-214E-80B3-6CE64E08FC64}" type="datetimeFigureOut">
               <a:rPr lang="en-US" smtClean="0"/>
-              <a:t>8/4/23</a:t>
+              <a:t>8/15/23</a:t>
             </a:fld>
             <a:endParaRPr lang="en-US"/>
           </a:p>
@@ -3416,13 +3464,13 @@
         </p:nvPicPr>
         <p:blipFill rotWithShape="1">
           <a:blip r:embed="rId3"/>
-          <a:srcRect t="4955" b="-703"/>
+          <a:srcRect t="10135" b="-702"/>
           <a:stretch/>
         </p:blipFill>
         <p:spPr>
           <a:xfrm>
-            <a:off x="5506065" y="929478"/>
-            <a:ext cx="6548285" cy="4179917"/>
+            <a:off x="5506065" y="1155599"/>
+            <a:ext cx="6548285" cy="3953795"/>
           </a:xfrm>
           <a:prstGeom prst="rect">
             <a:avLst/>
@@ -3628,6 +3676,217 @@
             <a:r>
               <a:rPr lang="en-US" dirty="0"/>
               <a:t>B</a:t>
+            </a:r>
+          </a:p>
+        </p:txBody>
+      </p:sp>
+      <p:sp>
+        <p:nvSpPr>
+          <p:cNvPr id="2" name="TextBox 1">
+            <a:extLst>
+              <a:ext uri="{FF2B5EF4-FFF2-40B4-BE49-F238E27FC236}">
+                <a16:creationId xmlns:a16="http://schemas.microsoft.com/office/drawing/2014/main" id="{D84A246F-7297-DC7A-D9E1-64F22C5854B0}"/>
+              </a:ext>
+            </a:extLst>
+          </p:cNvPr>
+          <p:cNvSpPr txBox="1"/>
+          <p:nvPr/>
+        </p:nvSpPr>
+        <p:spPr>
+          <a:xfrm>
+            <a:off x="5506065" y="847822"/>
+            <a:ext cx="2538805" cy="307777"/>
+          </a:xfrm>
+          <a:prstGeom prst="rect">
+            <a:avLst/>
+          </a:prstGeom>
+          <a:noFill/>
+        </p:spPr>
+        <p:txBody>
+          <a:bodyPr wrap="square" rtlCol="0">
+            <a:spAutoFit/>
+          </a:bodyPr>
+          <a:lstStyle/>
+          <a:p>
+            <a:r>
+              <a:rPr lang="en-US" sz="1400" dirty="0">
+                <a:latin typeface="Arial" panose="020B0604020202020204" pitchFamily="34" charset="0"/>
+                <a:cs typeface="Arial" panose="020B0604020202020204" pitchFamily="34" charset="0"/>
+              </a:rPr>
+              <a:t>High Fitness</a:t>
+            </a:r>
+          </a:p>
+        </p:txBody>
+      </p:sp>
+      <p:sp>
+        <p:nvSpPr>
+          <p:cNvPr id="3" name="TextBox 2">
+            <a:extLst>
+              <a:ext uri="{FF2B5EF4-FFF2-40B4-BE49-F238E27FC236}">
+                <a16:creationId xmlns:a16="http://schemas.microsoft.com/office/drawing/2014/main" id="{EA55300D-AD21-D910-E5D5-A0C4F73C5B6E}"/>
+              </a:ext>
+            </a:extLst>
+          </p:cNvPr>
+          <p:cNvSpPr txBox="1"/>
+          <p:nvPr/>
+        </p:nvSpPr>
+        <p:spPr>
+          <a:xfrm>
+            <a:off x="8780207" y="847822"/>
+            <a:ext cx="2538805" cy="307777"/>
+          </a:xfrm>
+          <a:prstGeom prst="rect">
+            <a:avLst/>
+          </a:prstGeom>
+          <a:noFill/>
+        </p:spPr>
+        <p:txBody>
+          <a:bodyPr wrap="square" rtlCol="0">
+            <a:spAutoFit/>
+          </a:bodyPr>
+          <a:lstStyle/>
+          <a:p>
+            <a:r>
+              <a:rPr lang="en-US" sz="1400" dirty="0">
+                <a:latin typeface="Arial" panose="020B0604020202020204" pitchFamily="34" charset="0"/>
+                <a:cs typeface="Arial" panose="020B0604020202020204" pitchFamily="34" charset="0"/>
+              </a:rPr>
+              <a:t>High Robustness</a:t>
+            </a:r>
+          </a:p>
+        </p:txBody>
+      </p:sp>
+      <p:sp>
+        <p:nvSpPr>
+          <p:cNvPr id="13" name="Rectangle 12">
+            <a:extLst>
+              <a:ext uri="{FF2B5EF4-FFF2-40B4-BE49-F238E27FC236}">
+                <a16:creationId xmlns:a16="http://schemas.microsoft.com/office/drawing/2014/main" id="{A6276EBC-EFE8-E825-4F8B-3AF695D97569}"/>
+              </a:ext>
+            </a:extLst>
+          </p:cNvPr>
+          <p:cNvSpPr/>
+          <p:nvPr/>
+        </p:nvSpPr>
+        <p:spPr>
+          <a:xfrm>
+            <a:off x="5496230" y="3044413"/>
+            <a:ext cx="6068241" cy="138733"/>
+          </a:xfrm>
+          <a:prstGeom prst="rect">
+            <a:avLst/>
+          </a:prstGeom>
+          <a:solidFill>
+            <a:schemeClr val="bg1"/>
+          </a:solidFill>
+          <a:ln>
+            <a:noFill/>
+          </a:ln>
+        </p:spPr>
+        <p:style>
+          <a:lnRef idx="2">
+            <a:schemeClr val="accent1">
+              <a:shade val="15000"/>
+            </a:schemeClr>
+          </a:lnRef>
+          <a:fillRef idx="1">
+            <a:schemeClr val="accent1"/>
+          </a:fillRef>
+          <a:effectRef idx="0">
+            <a:schemeClr val="accent1"/>
+          </a:effectRef>
+          <a:fontRef idx="minor">
+            <a:schemeClr val="lt1"/>
+          </a:fontRef>
+        </p:style>
+        <p:txBody>
+          <a:bodyPr rtlCol="0" anchor="ctr"/>
+          <a:lstStyle/>
+          <a:p>
+            <a:pPr algn="ctr"/>
+            <a:endParaRPr lang="en-US"/>
+          </a:p>
+        </p:txBody>
+      </p:sp>
+      <p:sp>
+        <p:nvSpPr>
+          <p:cNvPr id="4" name="TextBox 3">
+            <a:extLst>
+              <a:ext uri="{FF2B5EF4-FFF2-40B4-BE49-F238E27FC236}">
+                <a16:creationId xmlns:a16="http://schemas.microsoft.com/office/drawing/2014/main" id="{FCC0AA3E-0D02-A330-94A8-129019D6FB06}"/>
+              </a:ext>
+            </a:extLst>
+          </p:cNvPr>
+          <p:cNvSpPr txBox="1"/>
+          <p:nvPr/>
+        </p:nvSpPr>
+        <p:spPr>
+          <a:xfrm>
+            <a:off x="8780207" y="2942193"/>
+            <a:ext cx="2538805" cy="307777"/>
+          </a:xfrm>
+          <a:prstGeom prst="rect">
+            <a:avLst/>
+          </a:prstGeom>
+          <a:noFill/>
+        </p:spPr>
+        <p:txBody>
+          <a:bodyPr wrap="square" rtlCol="0">
+            <a:spAutoFit/>
+          </a:bodyPr>
+          <a:lstStyle/>
+          <a:p>
+            <a:r>
+              <a:rPr lang="en-US" sz="1400">
+                <a:latin typeface="Arial" panose="020B0604020202020204" pitchFamily="34" charset="0"/>
+                <a:cs typeface="Arial" panose="020B0604020202020204" pitchFamily="34" charset="0"/>
+              </a:rPr>
+              <a:t>Low </a:t>
+            </a:r>
+            <a:r>
+              <a:rPr lang="en-US" sz="1400" dirty="0">
+                <a:latin typeface="Arial" panose="020B0604020202020204" pitchFamily="34" charset="0"/>
+                <a:cs typeface="Arial" panose="020B0604020202020204" pitchFamily="34" charset="0"/>
+              </a:rPr>
+              <a:t>Robustness</a:t>
+            </a:r>
+          </a:p>
+        </p:txBody>
+      </p:sp>
+      <p:sp>
+        <p:nvSpPr>
+          <p:cNvPr id="14" name="TextBox 13">
+            <a:extLst>
+              <a:ext uri="{FF2B5EF4-FFF2-40B4-BE49-F238E27FC236}">
+                <a16:creationId xmlns:a16="http://schemas.microsoft.com/office/drawing/2014/main" id="{73AB7FDE-C15A-0FFA-7D8D-3665A4BC65CF}"/>
+              </a:ext>
+            </a:extLst>
+          </p:cNvPr>
+          <p:cNvSpPr txBox="1"/>
+          <p:nvPr/>
+        </p:nvSpPr>
+        <p:spPr>
+          <a:xfrm>
+            <a:off x="5496230" y="2942192"/>
+            <a:ext cx="2538805" cy="307777"/>
+          </a:xfrm>
+          <a:prstGeom prst="rect">
+            <a:avLst/>
+          </a:prstGeom>
+          <a:noFill/>
+        </p:spPr>
+        <p:txBody>
+          <a:bodyPr wrap="square" rtlCol="0">
+            <a:spAutoFit/>
+          </a:bodyPr>
+          <a:lstStyle/>
+          <a:p>
+            <a:r>
+              <a:rPr lang="en-US" sz="1400" dirty="0">
+                <a:latin typeface="Arial" panose="020B0604020202020204" pitchFamily="34" charset="0"/>
+                <a:cs typeface="Arial" panose="020B0604020202020204" pitchFamily="34" charset="0"/>
+              </a:rPr>
+              <a:t>Low Fitness</a:t>
             </a:r>
           </a:p>
         </p:txBody>

--- a/plots/analysis_costanzo/figure1.pptx
+++ b/plots/analysis_costanzo/figure1.pptx
@@ -115,13 +115,125 @@
 <file path=ppt/revisionInfo.xml><?xml version="1.0" encoding="utf-8"?>
 <p1510:revInfo xmlns:a="http://schemas.openxmlformats.org/drawingml/2006/main" xmlns:r="http://schemas.openxmlformats.org/officeDocument/2006/relationships" xmlns:p1510="http://schemas.microsoft.com/office/powerpoint/2015/10/main">
   <p1510:revLst>
-    <p1510:client id="{D7866A26-5749-F046-B0C5-C918846F6619}" v="7" dt="2023-08-15T14:44:46.210"/>
+    <p1510:client id="{A62E9FE8-05CF-9142-BEB2-9CACC9D86595}" v="3" dt="2023-09-17T09:33:09.010"/>
   </p1510:revLst>
 </p1510:revInfo>
 </file>
 
 <file path=ppt/changesInfos/changesInfo1.xml><?xml version="1.0" encoding="utf-8"?>
 <pc:chgInfo xmlns:a="http://schemas.openxmlformats.org/drawingml/2006/main" xmlns:r="http://schemas.openxmlformats.org/officeDocument/2006/relationships" xmlns:ac="http://schemas.microsoft.com/office/drawing/2013/main/command" xmlns:pc="http://schemas.microsoft.com/office/powerpoint/2013/main/command">
+  <pc:docChgLst>
+    <pc:chgData name="Cecilia Trivellin" userId="77962b75-de7c-4c40-bb6b-4b915835e2f5" providerId="ADAL" clId="{A62E9FE8-05CF-9142-BEB2-9CACC9D86595}"/>
+    <pc:docChg chg="undo custSel modSld">
+      <pc:chgData name="Cecilia Trivellin" userId="77962b75-de7c-4c40-bb6b-4b915835e2f5" providerId="ADAL" clId="{A62E9FE8-05CF-9142-BEB2-9CACC9D86595}" dt="2023-09-17T09:33:46.755" v="172" actId="478"/>
+      <pc:docMkLst>
+        <pc:docMk/>
+      </pc:docMkLst>
+      <pc:sldChg chg="addSp delSp modSp mod">
+        <pc:chgData name="Cecilia Trivellin" userId="77962b75-de7c-4c40-bb6b-4b915835e2f5" providerId="ADAL" clId="{A62E9FE8-05CF-9142-BEB2-9CACC9D86595}" dt="2023-09-17T09:33:46.755" v="172" actId="478"/>
+        <pc:sldMkLst>
+          <pc:docMk/>
+          <pc:sldMk cId="1134788032" sldId="256"/>
+        </pc:sldMkLst>
+        <pc:spChg chg="mod">
+          <ac:chgData name="Cecilia Trivellin" userId="77962b75-de7c-4c40-bb6b-4b915835e2f5" providerId="ADAL" clId="{A62E9FE8-05CF-9142-BEB2-9CACC9D86595}" dt="2023-09-17T09:32:30.512" v="149" actId="1035"/>
+          <ac:spMkLst>
+            <pc:docMk/>
+            <pc:sldMk cId="1134788032" sldId="256"/>
+            <ac:spMk id="2" creationId="{D84A246F-7297-DC7A-D9E1-64F22C5854B0}"/>
+          </ac:spMkLst>
+        </pc:spChg>
+        <pc:spChg chg="mod">
+          <ac:chgData name="Cecilia Trivellin" userId="77962b75-de7c-4c40-bb6b-4b915835e2f5" providerId="ADAL" clId="{A62E9FE8-05CF-9142-BEB2-9CACC9D86595}" dt="2023-09-17T09:32:30.512" v="149" actId="1035"/>
+          <ac:spMkLst>
+            <pc:docMk/>
+            <pc:sldMk cId="1134788032" sldId="256"/>
+            <ac:spMk id="3" creationId="{EA55300D-AD21-D910-E5D5-A0C4F73C5B6E}"/>
+          </ac:spMkLst>
+        </pc:spChg>
+        <pc:spChg chg="mod">
+          <ac:chgData name="Cecilia Trivellin" userId="77962b75-de7c-4c40-bb6b-4b915835e2f5" providerId="ADAL" clId="{A62E9FE8-05CF-9142-BEB2-9CACC9D86595}" dt="2023-09-17T09:32:26.080" v="147" actId="1036"/>
+          <ac:spMkLst>
+            <pc:docMk/>
+            <pc:sldMk cId="1134788032" sldId="256"/>
+            <ac:spMk id="4" creationId="{FCC0AA3E-0D02-A330-94A8-129019D6FB06}"/>
+          </ac:spMkLst>
+        </pc:spChg>
+        <pc:spChg chg="add del mod">
+          <ac:chgData name="Cecilia Trivellin" userId="77962b75-de7c-4c40-bb6b-4b915835e2f5" providerId="ADAL" clId="{A62E9FE8-05CF-9142-BEB2-9CACC9D86595}" dt="2023-09-17T09:33:46.755" v="172" actId="478"/>
+          <ac:spMkLst>
+            <pc:docMk/>
+            <pc:sldMk cId="1134788032" sldId="256"/>
+            <ac:spMk id="6" creationId="{EF8439B5-CD63-8CF0-7F7E-4871FC18FF17}"/>
+          </ac:spMkLst>
+        </pc:spChg>
+        <pc:spChg chg="del">
+          <ac:chgData name="Cecilia Trivellin" userId="77962b75-de7c-4c40-bb6b-4b915835e2f5" providerId="ADAL" clId="{A62E9FE8-05CF-9142-BEB2-9CACC9D86595}" dt="2023-09-16T18:48:32.739" v="3" actId="478"/>
+          <ac:spMkLst>
+            <pc:docMk/>
+            <pc:sldMk cId="1134788032" sldId="256"/>
+            <ac:spMk id="9" creationId="{586F35DF-6C5A-2AC8-0FA7-C3440FA246FD}"/>
+          </ac:spMkLst>
+        </pc:spChg>
+        <pc:spChg chg="del">
+          <ac:chgData name="Cecilia Trivellin" userId="77962b75-de7c-4c40-bb6b-4b915835e2f5" providerId="ADAL" clId="{A62E9FE8-05CF-9142-BEB2-9CACC9D86595}" dt="2023-09-16T18:48:33.693" v="4" actId="478"/>
+          <ac:spMkLst>
+            <pc:docMk/>
+            <pc:sldMk cId="1134788032" sldId="256"/>
+            <ac:spMk id="10" creationId="{9C7DB2EF-9F7A-47E4-635E-C3D7E277D395}"/>
+          </ac:spMkLst>
+        </pc:spChg>
+        <pc:spChg chg="mod">
+          <ac:chgData name="Cecilia Trivellin" userId="77962b75-de7c-4c40-bb6b-4b915835e2f5" providerId="ADAL" clId="{A62E9FE8-05CF-9142-BEB2-9CACC9D86595}" dt="2023-09-17T09:32:43.780" v="167" actId="2711"/>
+          <ac:spMkLst>
+            <pc:docMk/>
+            <pc:sldMk cId="1134788032" sldId="256"/>
+            <ac:spMk id="11" creationId="{FBF00564-1334-2275-8ABF-7EE5449B8251}"/>
+          </ac:spMkLst>
+        </pc:spChg>
+        <pc:spChg chg="mod">
+          <ac:chgData name="Cecilia Trivellin" userId="77962b75-de7c-4c40-bb6b-4b915835e2f5" providerId="ADAL" clId="{A62E9FE8-05CF-9142-BEB2-9CACC9D86595}" dt="2023-09-17T09:32:43.780" v="167" actId="2711"/>
+          <ac:spMkLst>
+            <pc:docMk/>
+            <pc:sldMk cId="1134788032" sldId="256"/>
+            <ac:spMk id="12" creationId="{D3B87B64-BCD7-47DE-0A1E-8D2A07BA382B}"/>
+          </ac:spMkLst>
+        </pc:spChg>
+        <pc:spChg chg="mod">
+          <ac:chgData name="Cecilia Trivellin" userId="77962b75-de7c-4c40-bb6b-4b915835e2f5" providerId="ADAL" clId="{A62E9FE8-05CF-9142-BEB2-9CACC9D86595}" dt="2023-09-17T09:32:26.080" v="147" actId="1036"/>
+          <ac:spMkLst>
+            <pc:docMk/>
+            <pc:sldMk cId="1134788032" sldId="256"/>
+            <ac:spMk id="13" creationId="{A6276EBC-EFE8-E825-4F8B-3AF695D97569}"/>
+          </ac:spMkLst>
+        </pc:spChg>
+        <pc:spChg chg="mod">
+          <ac:chgData name="Cecilia Trivellin" userId="77962b75-de7c-4c40-bb6b-4b915835e2f5" providerId="ADAL" clId="{A62E9FE8-05CF-9142-BEB2-9CACC9D86595}" dt="2023-09-17T09:32:26.080" v="147" actId="1036"/>
+          <ac:spMkLst>
+            <pc:docMk/>
+            <pc:sldMk cId="1134788032" sldId="256"/>
+            <ac:spMk id="14" creationId="{73AB7FDE-C15A-0FFA-7D8D-3665A4BC65CF}"/>
+          </ac:spMkLst>
+        </pc:spChg>
+        <pc:picChg chg="mod modCrop">
+          <ac:chgData name="Cecilia Trivellin" userId="77962b75-de7c-4c40-bb6b-4b915835e2f5" providerId="ADAL" clId="{A62E9FE8-05CF-9142-BEB2-9CACC9D86595}" dt="2023-09-16T18:48:41.348" v="8" actId="1076"/>
+          <ac:picMkLst>
+            <pc:docMk/>
+            <pc:sldMk cId="1134788032" sldId="256"/>
+            <ac:picMk id="5" creationId="{7CF6BA79-16E7-5B05-1C1A-9AD6AC25473B}"/>
+          </ac:picMkLst>
+        </pc:picChg>
+        <pc:picChg chg="mod modCrop">
+          <ac:chgData name="Cecilia Trivellin" userId="77962b75-de7c-4c40-bb6b-4b915835e2f5" providerId="ADAL" clId="{A62E9FE8-05CF-9142-BEB2-9CACC9D86595}" dt="2023-09-17T09:32:26.080" v="147" actId="1036"/>
+          <ac:picMkLst>
+            <pc:docMk/>
+            <pc:sldMk cId="1134788032" sldId="256"/>
+            <ac:picMk id="7" creationId="{AA5DF873-A9F3-002E-41A6-0C6D87A09042}"/>
+          </ac:picMkLst>
+        </pc:picChg>
+      </pc:sldChg>
+    </pc:docChg>
+  </pc:docChgLst>
   <pc:docChgLst>
     <pc:chgData name="Cecilia Trivellin" userId="77962b75-de7c-4c40-bb6b-4b915835e2f5" providerId="ADAL" clId="{D7866A26-5749-F046-B0C5-C918846F6619}"/>
     <pc:docChg chg="custSel modSld">
@@ -352,7 +464,7 @@
           <a:p>
             <a:fld id="{FD51DF91-9853-214E-80B3-6CE64E08FC64}" type="datetimeFigureOut">
               <a:rPr lang="en-US" smtClean="0"/>
-              <a:t>8/15/23</a:t>
+              <a:t>9/16/23</a:t>
             </a:fld>
             <a:endParaRPr lang="en-US"/>
           </a:p>
@@ -550,7 +662,7 @@
           <a:p>
             <a:fld id="{FD51DF91-9853-214E-80B3-6CE64E08FC64}" type="datetimeFigureOut">
               <a:rPr lang="en-US" smtClean="0"/>
-              <a:t>8/15/23</a:t>
+              <a:t>9/16/23</a:t>
             </a:fld>
             <a:endParaRPr lang="en-US"/>
           </a:p>
@@ -758,7 +870,7 @@
           <a:p>
             <a:fld id="{FD51DF91-9853-214E-80B3-6CE64E08FC64}" type="datetimeFigureOut">
               <a:rPr lang="en-US" smtClean="0"/>
-              <a:t>8/15/23</a:t>
+              <a:t>9/16/23</a:t>
             </a:fld>
             <a:endParaRPr lang="en-US"/>
           </a:p>
@@ -956,7 +1068,7 @@
           <a:p>
             <a:fld id="{FD51DF91-9853-214E-80B3-6CE64E08FC64}" type="datetimeFigureOut">
               <a:rPr lang="en-US" smtClean="0"/>
-              <a:t>8/15/23</a:t>
+              <a:t>9/16/23</a:t>
             </a:fld>
             <a:endParaRPr lang="en-US"/>
           </a:p>
@@ -1231,7 +1343,7 @@
           <a:p>
             <a:fld id="{FD51DF91-9853-214E-80B3-6CE64E08FC64}" type="datetimeFigureOut">
               <a:rPr lang="en-US" smtClean="0"/>
-              <a:t>8/15/23</a:t>
+              <a:t>9/16/23</a:t>
             </a:fld>
             <a:endParaRPr lang="en-US"/>
           </a:p>
@@ -1496,7 +1608,7 @@
           <a:p>
             <a:fld id="{FD51DF91-9853-214E-80B3-6CE64E08FC64}" type="datetimeFigureOut">
               <a:rPr lang="en-US" smtClean="0"/>
-              <a:t>8/15/23</a:t>
+              <a:t>9/16/23</a:t>
             </a:fld>
             <a:endParaRPr lang="en-US"/>
           </a:p>
@@ -1908,7 +2020,7 @@
           <a:p>
             <a:fld id="{FD51DF91-9853-214E-80B3-6CE64E08FC64}" type="datetimeFigureOut">
               <a:rPr lang="en-US" smtClean="0"/>
-              <a:t>8/15/23</a:t>
+              <a:t>9/16/23</a:t>
             </a:fld>
             <a:endParaRPr lang="en-US"/>
           </a:p>
@@ -2049,7 +2161,7 @@
           <a:p>
             <a:fld id="{FD51DF91-9853-214E-80B3-6CE64E08FC64}" type="datetimeFigureOut">
               <a:rPr lang="en-US" smtClean="0"/>
-              <a:t>8/15/23</a:t>
+              <a:t>9/16/23</a:t>
             </a:fld>
             <a:endParaRPr lang="en-US"/>
           </a:p>
@@ -2162,7 +2274,7 @@
           <a:p>
             <a:fld id="{FD51DF91-9853-214E-80B3-6CE64E08FC64}" type="datetimeFigureOut">
               <a:rPr lang="en-US" smtClean="0"/>
-              <a:t>8/15/23</a:t>
+              <a:t>9/16/23</a:t>
             </a:fld>
             <a:endParaRPr lang="en-US"/>
           </a:p>
@@ -2473,7 +2585,7 @@
           <a:p>
             <a:fld id="{FD51DF91-9853-214E-80B3-6CE64E08FC64}" type="datetimeFigureOut">
               <a:rPr lang="en-US" smtClean="0"/>
-              <a:t>8/15/23</a:t>
+              <a:t>9/16/23</a:t>
             </a:fld>
             <a:endParaRPr lang="en-US"/>
           </a:p>
@@ -2761,7 +2873,7 @@
           <a:p>
             <a:fld id="{FD51DF91-9853-214E-80B3-6CE64E08FC64}" type="datetimeFigureOut">
               <a:rPr lang="en-US" smtClean="0"/>
-              <a:t>8/15/23</a:t>
+              <a:t>9/16/23</a:t>
             </a:fld>
             <a:endParaRPr lang="en-US"/>
           </a:p>
@@ -3002,7 +3114,7 @@
           <a:p>
             <a:fld id="{FD51DF91-9853-214E-80B3-6CE64E08FC64}" type="datetimeFigureOut">
               <a:rPr lang="en-US" smtClean="0"/>
-              <a:t>8/15/23</a:t>
+              <a:t>9/16/23</a:t>
             </a:fld>
             <a:endParaRPr lang="en-US"/>
           </a:p>
@@ -3435,13 +3547,13 @@
         </p:nvPicPr>
         <p:blipFill rotWithShape="1">
           <a:blip r:embed="rId2"/>
-          <a:srcRect t="7115" r="18889"/>
+          <a:srcRect t="-1963" b="-5775"/>
           <a:stretch/>
         </p:blipFill>
         <p:spPr>
           <a:xfrm>
-            <a:off x="-1422504" y="1037917"/>
-            <a:ext cx="6716399" cy="3845643"/>
+            <a:off x="308173" y="929147"/>
+            <a:ext cx="4708014" cy="4026090"/>
           </a:xfrm>
           <a:prstGeom prst="rect">
             <a:avLst/>
@@ -3464,13 +3576,13 @@
         </p:nvPicPr>
         <p:blipFill rotWithShape="1">
           <a:blip r:embed="rId3"/>
-          <a:srcRect t="10135" b="-702"/>
+          <a:srcRect t="10438" b="-1957"/>
           <a:stretch/>
         </p:blipFill>
         <p:spPr>
           <a:xfrm>
-            <a:off x="5506065" y="1155599"/>
-            <a:ext cx="6548285" cy="3953795"/>
+            <a:off x="5506065" y="1005349"/>
+            <a:ext cx="6548285" cy="3995278"/>
           </a:xfrm>
           <a:prstGeom prst="rect">
             <a:avLst/>
@@ -3508,123 +3620,19 @@
       </p:pic>
       <p:sp>
         <p:nvSpPr>
-          <p:cNvPr id="9" name="Rectangle 8">
-            <a:extLst>
-              <a:ext uri="{FF2B5EF4-FFF2-40B4-BE49-F238E27FC236}">
-                <a16:creationId xmlns:a16="http://schemas.microsoft.com/office/drawing/2014/main" id="{586F35DF-6C5A-2AC8-0FA7-C3440FA246FD}"/>
-              </a:ext>
-            </a:extLst>
-          </p:cNvPr>
-          <p:cNvSpPr/>
+          <p:cNvPr id="11" name="TextBox 10">
+            <a:extLst>
+              <a:ext uri="{FF2B5EF4-FFF2-40B4-BE49-F238E27FC236}">
+                <a16:creationId xmlns:a16="http://schemas.microsoft.com/office/drawing/2014/main" id="{FBF00564-1334-2275-8ABF-7EE5449B8251}"/>
+              </a:ext>
+            </a:extLst>
+          </p:cNvPr>
+          <p:cNvSpPr txBox="1"/>
           <p:nvPr/>
         </p:nvSpPr>
         <p:spPr>
           <a:xfrm>
-            <a:off x="4493342" y="4001729"/>
-            <a:ext cx="924232" cy="540774"/>
-          </a:xfrm>
-          <a:prstGeom prst="rect">
-            <a:avLst/>
-          </a:prstGeom>
-          <a:solidFill>
-            <a:schemeClr val="bg1"/>
-          </a:solidFill>
-          <a:ln>
-            <a:noFill/>
-          </a:ln>
-        </p:spPr>
-        <p:style>
-          <a:lnRef idx="2">
-            <a:schemeClr val="accent1">
-              <a:shade val="15000"/>
-            </a:schemeClr>
-          </a:lnRef>
-          <a:fillRef idx="1">
-            <a:schemeClr val="accent1"/>
-          </a:fillRef>
-          <a:effectRef idx="0">
-            <a:schemeClr val="accent1"/>
-          </a:effectRef>
-          <a:fontRef idx="minor">
-            <a:schemeClr val="lt1"/>
-          </a:fontRef>
-        </p:style>
-        <p:txBody>
-          <a:bodyPr rtlCol="0" anchor="ctr"/>
-          <a:lstStyle/>
-          <a:p>
-            <a:pPr algn="ctr"/>
-            <a:endParaRPr lang="en-US"/>
-          </a:p>
-        </p:txBody>
-      </p:sp>
-      <p:sp>
-        <p:nvSpPr>
-          <p:cNvPr id="10" name="Rectangle 9">
-            <a:extLst>
-              <a:ext uri="{FF2B5EF4-FFF2-40B4-BE49-F238E27FC236}">
-                <a16:creationId xmlns:a16="http://schemas.microsoft.com/office/drawing/2014/main" id="{9C7DB2EF-9F7A-47E4-635E-C3D7E277D395}"/>
-              </a:ext>
-            </a:extLst>
-          </p:cNvPr>
-          <p:cNvSpPr/>
-          <p:nvPr/>
-        </p:nvSpPr>
-        <p:spPr>
-          <a:xfrm>
-            <a:off x="0" y="4050890"/>
-            <a:ext cx="924232" cy="540774"/>
-          </a:xfrm>
-          <a:prstGeom prst="rect">
-            <a:avLst/>
-          </a:prstGeom>
-          <a:solidFill>
-            <a:schemeClr val="bg1"/>
-          </a:solidFill>
-          <a:ln>
-            <a:noFill/>
-          </a:ln>
-        </p:spPr>
-        <p:style>
-          <a:lnRef idx="2">
-            <a:schemeClr val="accent1">
-              <a:shade val="15000"/>
-            </a:schemeClr>
-          </a:lnRef>
-          <a:fillRef idx="1">
-            <a:schemeClr val="accent1"/>
-          </a:fillRef>
-          <a:effectRef idx="0">
-            <a:schemeClr val="accent1"/>
-          </a:effectRef>
-          <a:fontRef idx="minor">
-            <a:schemeClr val="lt1"/>
-          </a:fontRef>
-        </p:style>
-        <p:txBody>
-          <a:bodyPr rtlCol="0" anchor="ctr"/>
-          <a:lstStyle/>
-          <a:p>
-            <a:pPr algn="ctr"/>
-            <a:endParaRPr lang="en-US"/>
-          </a:p>
-        </p:txBody>
-      </p:sp>
-      <p:sp>
-        <p:nvSpPr>
-          <p:cNvPr id="11" name="TextBox 10">
-            <a:extLst>
-              <a:ext uri="{FF2B5EF4-FFF2-40B4-BE49-F238E27FC236}">
-                <a16:creationId xmlns:a16="http://schemas.microsoft.com/office/drawing/2014/main" id="{FBF00564-1334-2275-8ABF-7EE5449B8251}"/>
-              </a:ext>
-            </a:extLst>
-          </p:cNvPr>
-          <p:cNvSpPr txBox="1"/>
-          <p:nvPr/>
-        </p:nvSpPr>
-        <p:spPr>
-          <a:xfrm>
-            <a:off x="137650" y="737419"/>
+            <a:off x="137650" y="476163"/>
             <a:ext cx="1209365" cy="369332"/>
           </a:xfrm>
           <a:prstGeom prst="rect">
@@ -3639,7 +3647,10 @@
           <a:lstStyle/>
           <a:p>
             <a:r>
-              <a:rPr lang="en-US" dirty="0"/>
+              <a:rPr lang="en-US" dirty="0">
+                <a:latin typeface="Arial" panose="020B0604020202020204" pitchFamily="34" charset="0"/>
+                <a:cs typeface="Arial" panose="020B0604020202020204" pitchFamily="34" charset="0"/>
+              </a:rPr>
               <a:t>A</a:t>
             </a:r>
           </a:p>
@@ -3659,7 +3670,7 @@
         </p:nvSpPr>
         <p:spPr>
           <a:xfrm>
-            <a:off x="5186514" y="703002"/>
+            <a:off x="5186514" y="517948"/>
             <a:ext cx="1209365" cy="369332"/>
           </a:xfrm>
           <a:prstGeom prst="rect">
@@ -3674,7 +3685,10 @@
           <a:lstStyle/>
           <a:p>
             <a:r>
-              <a:rPr lang="en-US" dirty="0"/>
+              <a:rPr lang="en-US" dirty="0">
+                <a:latin typeface="Arial" panose="020B0604020202020204" pitchFamily="34" charset="0"/>
+                <a:cs typeface="Arial" panose="020B0604020202020204" pitchFamily="34" charset="0"/>
+              </a:rPr>
               <a:t>B</a:t>
             </a:r>
           </a:p>
@@ -3694,7 +3708,7 @@
         </p:nvSpPr>
         <p:spPr>
           <a:xfrm>
-            <a:off x="5506065" y="847822"/>
+            <a:off x="5506065" y="732320"/>
             <a:ext cx="2538805" cy="307777"/>
           </a:xfrm>
           <a:prstGeom prst="rect">
@@ -3732,7 +3746,7 @@
         </p:nvSpPr>
         <p:spPr>
           <a:xfrm>
-            <a:off x="8780207" y="847822"/>
+            <a:off x="8780207" y="732320"/>
             <a:ext cx="2538805" cy="307777"/>
           </a:xfrm>
           <a:prstGeom prst="rect">
@@ -3770,7 +3784,7 @@
         </p:nvSpPr>
         <p:spPr>
           <a:xfrm>
-            <a:off x="5496230" y="3044413"/>
+            <a:off x="5496230" y="2870244"/>
             <a:ext cx="6068241" cy="138733"/>
           </a:xfrm>
           <a:prstGeom prst="rect">
@@ -3822,7 +3836,7 @@
         </p:nvSpPr>
         <p:spPr>
           <a:xfrm>
-            <a:off x="8780207" y="2942193"/>
+            <a:off x="8780207" y="2768024"/>
             <a:ext cx="2538805" cy="307777"/>
           </a:xfrm>
           <a:prstGeom prst="rect">
@@ -3867,7 +3881,7 @@
         </p:nvSpPr>
         <p:spPr>
           <a:xfrm>
-            <a:off x="5496230" y="2942192"/>
+            <a:off x="5496230" y="2768023"/>
             <a:ext cx="2538805" cy="307777"/>
           </a:xfrm>
           <a:prstGeom prst="rect">
